--- a/imagenes/fotos_conferencistas/fotos_conferencistas.pptx
+++ b/imagenes/fotos_conferencistas/fotos_conferencistas.pptx
@@ -12,6 +12,9 @@
     <p:sldId id="263" r:id="rId6"/>
     <p:sldId id="264" r:id="rId7"/>
     <p:sldId id="265" r:id="rId8"/>
+    <p:sldId id="266" r:id="rId9"/>
+    <p:sldId id="268" r:id="rId10"/>
+    <p:sldId id="267" r:id="rId11"/>
   </p:sldIdLst>
   <p:sldSz cx="9144000" cy="6858000" type="screen4x3"/>
   <p:notesSz cx="6858000" cy="9144000"/>
@@ -308,7 +311,7 @@
           <a:p>
             <a:fld id="{A024B3BE-3465-4E30-B4C9-D82950137A0E}" type="datetimeFigureOut">
               <a:rPr lang="pt-BR" smtClean="0"/>
-              <a:t>27/07/2023</a:t>
+              <a:t>17/05/2025</a:t>
             </a:fld>
             <a:endParaRPr lang="pt-BR"/>
           </a:p>
@@ -476,7 +479,7 @@
           <a:p>
             <a:fld id="{A024B3BE-3465-4E30-B4C9-D82950137A0E}" type="datetimeFigureOut">
               <a:rPr lang="pt-BR" smtClean="0"/>
-              <a:t>27/07/2023</a:t>
+              <a:t>17/05/2025</a:t>
             </a:fld>
             <a:endParaRPr lang="pt-BR"/>
           </a:p>
@@ -654,7 +657,7 @@
           <a:p>
             <a:fld id="{A024B3BE-3465-4E30-B4C9-D82950137A0E}" type="datetimeFigureOut">
               <a:rPr lang="pt-BR" smtClean="0"/>
-              <a:t>27/07/2023</a:t>
+              <a:t>17/05/2025</a:t>
             </a:fld>
             <a:endParaRPr lang="pt-BR"/>
           </a:p>
@@ -822,7 +825,7 @@
           <a:p>
             <a:fld id="{A024B3BE-3465-4E30-B4C9-D82950137A0E}" type="datetimeFigureOut">
               <a:rPr lang="pt-BR" smtClean="0"/>
-              <a:t>27/07/2023</a:t>
+              <a:t>17/05/2025</a:t>
             </a:fld>
             <a:endParaRPr lang="pt-BR"/>
           </a:p>
@@ -1067,7 +1070,7 @@
           <a:p>
             <a:fld id="{A024B3BE-3465-4E30-B4C9-D82950137A0E}" type="datetimeFigureOut">
               <a:rPr lang="pt-BR" smtClean="0"/>
-              <a:t>27/07/2023</a:t>
+              <a:t>17/05/2025</a:t>
             </a:fld>
             <a:endParaRPr lang="pt-BR"/>
           </a:p>
@@ -1352,7 +1355,7 @@
           <a:p>
             <a:fld id="{A024B3BE-3465-4E30-B4C9-D82950137A0E}" type="datetimeFigureOut">
               <a:rPr lang="pt-BR" smtClean="0"/>
-              <a:t>27/07/2023</a:t>
+              <a:t>17/05/2025</a:t>
             </a:fld>
             <a:endParaRPr lang="pt-BR"/>
           </a:p>
@@ -1771,7 +1774,7 @@
           <a:p>
             <a:fld id="{A024B3BE-3465-4E30-B4C9-D82950137A0E}" type="datetimeFigureOut">
               <a:rPr lang="pt-BR" smtClean="0"/>
-              <a:t>27/07/2023</a:t>
+              <a:t>17/05/2025</a:t>
             </a:fld>
             <a:endParaRPr lang="pt-BR"/>
           </a:p>
@@ -1888,7 +1891,7 @@
           <a:p>
             <a:fld id="{A024B3BE-3465-4E30-B4C9-D82950137A0E}" type="datetimeFigureOut">
               <a:rPr lang="pt-BR" smtClean="0"/>
-              <a:t>27/07/2023</a:t>
+              <a:t>17/05/2025</a:t>
             </a:fld>
             <a:endParaRPr lang="pt-BR"/>
           </a:p>
@@ -1983,7 +1986,7 @@
           <a:p>
             <a:fld id="{A024B3BE-3465-4E30-B4C9-D82950137A0E}" type="datetimeFigureOut">
               <a:rPr lang="pt-BR" smtClean="0"/>
-              <a:t>27/07/2023</a:t>
+              <a:t>17/05/2025</a:t>
             </a:fld>
             <a:endParaRPr lang="pt-BR"/>
           </a:p>
@@ -2258,7 +2261,7 @@
           <a:p>
             <a:fld id="{A024B3BE-3465-4E30-B4C9-D82950137A0E}" type="datetimeFigureOut">
               <a:rPr lang="pt-BR" smtClean="0"/>
-              <a:t>27/07/2023</a:t>
+              <a:t>17/05/2025</a:t>
             </a:fld>
             <a:endParaRPr lang="pt-BR"/>
           </a:p>
@@ -2510,7 +2513,7 @@
           <a:p>
             <a:fld id="{A024B3BE-3465-4E30-B4C9-D82950137A0E}" type="datetimeFigureOut">
               <a:rPr lang="pt-BR" smtClean="0"/>
-              <a:t>27/07/2023</a:t>
+              <a:t>17/05/2025</a:t>
             </a:fld>
             <a:endParaRPr lang="pt-BR"/>
           </a:p>
@@ -2721,7 +2724,7 @@
           <a:p>
             <a:fld id="{A024B3BE-3465-4E30-B4C9-D82950137A0E}" type="datetimeFigureOut">
               <a:rPr lang="pt-BR" smtClean="0"/>
-              <a:t>27/07/2023</a:t>
+              <a:t>17/05/2025</a:t>
             </a:fld>
             <a:endParaRPr lang="pt-BR"/>
           </a:p>
@@ -3135,6 +3138,42 @@
     <p:extLst>
       <p:ext uri="{BB962C8B-B14F-4D97-AF65-F5344CB8AC3E}">
         <p14:creationId xmlns:p14="http://schemas.microsoft.com/office/powerpoint/2010/main" val="2696373801"/>
+      </p:ext>
+    </p:extLst>
+  </p:cSld>
+  <p:clrMapOvr>
+    <a:masterClrMapping/>
+  </p:clrMapOvr>
+</p:sld>
+</file>
+
+<file path=ppt/slides/slide10.xml><?xml version="1.0" encoding="utf-8"?>
+<p:sld xmlns:a="http://schemas.openxmlformats.org/drawingml/2006/main" xmlns:r="http://schemas.openxmlformats.org/officeDocument/2006/relationships" xmlns:p="http://schemas.openxmlformats.org/presentationml/2006/main">
+  <p:cSld>
+    <p:spTree>
+      <p:nvGrpSpPr>
+        <p:cNvPr id="1" name="">
+          <a:extLst>
+            <a:ext uri="{FF2B5EF4-FFF2-40B4-BE49-F238E27FC236}">
+              <a16:creationId xmlns:a16="http://schemas.microsoft.com/office/drawing/2014/main" id="{74F5E59B-771A-6F12-0E9D-2305736FBCF4}"/>
+            </a:ext>
+          </a:extLst>
+        </p:cNvPr>
+        <p:cNvGrpSpPr/>
+        <p:nvPr/>
+      </p:nvGrpSpPr>
+      <p:grpSpPr>
+        <a:xfrm>
+          <a:off x="0" y="0"/>
+          <a:ext cx="0" cy="0"/>
+          <a:chOff x="0" y="0"/>
+          <a:chExt cx="0" cy="0"/>
+        </a:xfrm>
+      </p:grpSpPr>
+    </p:spTree>
+    <p:extLst>
+      <p:ext uri="{BB962C8B-B14F-4D97-AF65-F5344CB8AC3E}">
+        <p14:creationId xmlns:p14="http://schemas.microsoft.com/office/powerpoint/2010/main" val="2716089060"/>
       </p:ext>
     </p:extLst>
   </p:cSld>
@@ -3621,6 +3660,178 @@
 </p:sld>
 </file>
 
+<file path=ppt/slides/slide8.xml><?xml version="1.0" encoding="utf-8"?>
+<p:sld xmlns:a="http://schemas.openxmlformats.org/drawingml/2006/main" xmlns:r="http://schemas.openxmlformats.org/officeDocument/2006/relationships" xmlns:p="http://schemas.openxmlformats.org/presentationml/2006/main">
+  <p:cSld>
+    <p:spTree>
+      <p:nvGrpSpPr>
+        <p:cNvPr id="1" name="">
+          <a:extLst>
+            <a:ext uri="{FF2B5EF4-FFF2-40B4-BE49-F238E27FC236}">
+              <a16:creationId xmlns:a16="http://schemas.microsoft.com/office/drawing/2014/main" id="{ADC11219-F410-E73F-9B95-9CED15B6E226}"/>
+            </a:ext>
+          </a:extLst>
+        </p:cNvPr>
+        <p:cNvGrpSpPr/>
+        <p:nvPr/>
+      </p:nvGrpSpPr>
+      <p:grpSpPr>
+        <a:xfrm>
+          <a:off x="0" y="0"/>
+          <a:ext cx="0" cy="0"/>
+          <a:chOff x="0" y="0"/>
+          <a:chExt cx="0" cy="0"/>
+        </a:xfrm>
+      </p:grpSpPr>
+      <p:pic>
+        <p:nvPicPr>
+          <p:cNvPr id="1028" name="Picture 4">
+            <a:extLst>
+              <a:ext uri="{FF2B5EF4-FFF2-40B4-BE49-F238E27FC236}">
+                <a16:creationId xmlns:a16="http://schemas.microsoft.com/office/drawing/2014/main" id="{52DA0166-BE07-22C7-9A3D-8A99C949C8CA}"/>
+              </a:ext>
+            </a:extLst>
+          </p:cNvPr>
+          <p:cNvPicPr>
+            <a:picLocks noChangeAspect="1" noChangeArrowheads="1"/>
+          </p:cNvPicPr>
+          <p:nvPr/>
+        </p:nvPicPr>
+        <p:blipFill>
+          <a:blip r:embed="rId2">
+            <a:extLst>
+              <a:ext uri="{28A0092B-C50C-407E-A947-70E740481C1C}">
+                <a14:useLocalDpi xmlns:a14="http://schemas.microsoft.com/office/drawing/2010/main" val="0"/>
+              </a:ext>
+            </a:extLst>
+          </a:blip>
+          <a:srcRect/>
+          <a:stretch/>
+        </p:blipFill>
+        <p:spPr bwMode="auto">
+          <a:xfrm>
+            <a:off x="251520" y="188640"/>
+            <a:ext cx="4392488" cy="4392488"/>
+          </a:xfrm>
+          <a:prstGeom prst="ellipse">
+            <a:avLst/>
+          </a:prstGeom>
+          <a:ln>
+            <a:noFill/>
+          </a:ln>
+          <a:effectLst>
+            <a:softEdge rad="112500"/>
+          </a:effectLst>
+          <a:extLst>
+            <a:ext uri="{909E8E84-426E-40DD-AFC4-6F175D3DCCD1}">
+              <a14:hiddenFill xmlns:a14="http://schemas.microsoft.com/office/drawing/2010/main">
+                <a:solidFill>
+                  <a:srgbClr val="FFFFFF"/>
+                </a:solidFill>
+              </a14:hiddenFill>
+            </a:ext>
+          </a:extLst>
+        </p:spPr>
+      </p:pic>
+    </p:spTree>
+    <p:extLst>
+      <p:ext uri="{BB962C8B-B14F-4D97-AF65-F5344CB8AC3E}">
+        <p14:creationId xmlns:p14="http://schemas.microsoft.com/office/powerpoint/2010/main" val="2957107613"/>
+      </p:ext>
+    </p:extLst>
+  </p:cSld>
+  <p:clrMapOvr>
+    <a:masterClrMapping/>
+  </p:clrMapOvr>
+</p:sld>
+</file>
+
+<file path=ppt/slides/slide9.xml><?xml version="1.0" encoding="utf-8"?>
+<p:sld xmlns:a="http://schemas.openxmlformats.org/drawingml/2006/main" xmlns:r="http://schemas.openxmlformats.org/officeDocument/2006/relationships" xmlns:p="http://schemas.openxmlformats.org/presentationml/2006/main">
+  <p:cSld>
+    <p:spTree>
+      <p:nvGrpSpPr>
+        <p:cNvPr id="1" name="">
+          <a:extLst>
+            <a:ext uri="{FF2B5EF4-FFF2-40B4-BE49-F238E27FC236}">
+              <a16:creationId xmlns:a16="http://schemas.microsoft.com/office/drawing/2014/main" id="{A64BB4BB-E896-FD48-786C-FE7660053DD0}"/>
+            </a:ext>
+          </a:extLst>
+        </p:cNvPr>
+        <p:cNvGrpSpPr/>
+        <p:nvPr/>
+      </p:nvGrpSpPr>
+      <p:grpSpPr>
+        <a:xfrm>
+          <a:off x="0" y="0"/>
+          <a:ext cx="0" cy="0"/>
+          <a:chOff x="0" y="0"/>
+          <a:chExt cx="0" cy="0"/>
+        </a:xfrm>
+      </p:grpSpPr>
+      <p:pic>
+        <p:nvPicPr>
+          <p:cNvPr id="1028" name="Picture 4">
+            <a:extLst>
+              <a:ext uri="{FF2B5EF4-FFF2-40B4-BE49-F238E27FC236}">
+                <a16:creationId xmlns:a16="http://schemas.microsoft.com/office/drawing/2014/main" id="{8524B68A-921C-4679-87F1-50536F949E9B}"/>
+              </a:ext>
+            </a:extLst>
+          </p:cNvPr>
+          <p:cNvPicPr>
+            <a:picLocks noChangeAspect="1" noChangeArrowheads="1"/>
+          </p:cNvPicPr>
+          <p:nvPr/>
+        </p:nvPicPr>
+        <p:blipFill>
+          <a:blip r:embed="rId2" cstate="print">
+            <a:extLst>
+              <a:ext uri="{28A0092B-C50C-407E-A947-70E740481C1C}">
+                <a14:useLocalDpi xmlns:a14="http://schemas.microsoft.com/office/drawing/2010/main" val="0"/>
+              </a:ext>
+            </a:extLst>
+          </a:blip>
+          <a:srcRect/>
+          <a:stretch/>
+        </p:blipFill>
+        <p:spPr bwMode="auto">
+          <a:xfrm>
+            <a:off x="251520" y="188640"/>
+            <a:ext cx="4392488" cy="4392488"/>
+          </a:xfrm>
+          <a:prstGeom prst="ellipse">
+            <a:avLst/>
+          </a:prstGeom>
+          <a:ln>
+            <a:noFill/>
+          </a:ln>
+          <a:effectLst>
+            <a:softEdge rad="112500"/>
+          </a:effectLst>
+          <a:extLst>
+            <a:ext uri="{909E8E84-426E-40DD-AFC4-6F175D3DCCD1}">
+              <a14:hiddenFill xmlns:a14="http://schemas.microsoft.com/office/drawing/2010/main">
+                <a:solidFill>
+                  <a:srgbClr val="FFFFFF"/>
+                </a:solidFill>
+              </a14:hiddenFill>
+            </a:ext>
+          </a:extLst>
+        </p:spPr>
+      </p:pic>
+    </p:spTree>
+    <p:extLst>
+      <p:ext uri="{BB962C8B-B14F-4D97-AF65-F5344CB8AC3E}">
+        <p14:creationId xmlns:p14="http://schemas.microsoft.com/office/powerpoint/2010/main" val="615403172"/>
+      </p:ext>
+    </p:extLst>
+  </p:cSld>
+  <p:clrMapOvr>
+    <a:masterClrMapping/>
+  </p:clrMapOvr>
+</p:sld>
+</file>
+
 <file path=ppt/theme/theme1.xml><?xml version="1.0" encoding="utf-8"?>
 <a:theme xmlns:a="http://schemas.openxmlformats.org/drawingml/2006/main" name="Tema do Office">
   <a:themeElements>

--- a/imagenes/fotos_conferencistas/fotos_conferencistas.pptx
+++ b/imagenes/fotos_conferencistas/fotos_conferencistas.pptx
@@ -3796,7 +3796,7 @@
         </p:blipFill>
         <p:spPr bwMode="auto">
           <a:xfrm>
-            <a:off x="251520" y="188640"/>
+            <a:off x="179512" y="188640"/>
             <a:ext cx="4392488" cy="4392488"/>
           </a:xfrm>
           <a:prstGeom prst="ellipse">

--- a/imagenes/fotos_conferencistas/fotos_conferencistas.pptx
+++ b/imagenes/fotos_conferencistas/fotos_conferencistas.pptx
@@ -311,7 +311,7 @@
           <a:p>
             <a:fld id="{A024B3BE-3465-4E30-B4C9-D82950137A0E}" type="datetimeFigureOut">
               <a:rPr lang="pt-BR" smtClean="0"/>
-              <a:t>17/05/2025</a:t>
+              <a:t>23/05/2025</a:t>
             </a:fld>
             <a:endParaRPr lang="pt-BR"/>
           </a:p>
@@ -353,7 +353,7 @@
           <a:p>
             <a:fld id="{E04F2195-75BF-44EC-BF37-2B2A1FBED77A}" type="slidenum">
               <a:rPr lang="pt-BR" smtClean="0"/>
-              <a:t>‹#›</a:t>
+              <a:t>‹Nº›</a:t>
             </a:fld>
             <a:endParaRPr lang="pt-BR"/>
           </a:p>
@@ -479,7 +479,7 @@
           <a:p>
             <a:fld id="{A024B3BE-3465-4E30-B4C9-D82950137A0E}" type="datetimeFigureOut">
               <a:rPr lang="pt-BR" smtClean="0"/>
-              <a:t>17/05/2025</a:t>
+              <a:t>23/05/2025</a:t>
             </a:fld>
             <a:endParaRPr lang="pt-BR"/>
           </a:p>
@@ -521,7 +521,7 @@
           <a:p>
             <a:fld id="{E04F2195-75BF-44EC-BF37-2B2A1FBED77A}" type="slidenum">
               <a:rPr lang="pt-BR" smtClean="0"/>
-              <a:t>‹#›</a:t>
+              <a:t>‹Nº›</a:t>
             </a:fld>
             <a:endParaRPr lang="pt-BR"/>
           </a:p>
@@ -657,7 +657,7 @@
           <a:p>
             <a:fld id="{A024B3BE-3465-4E30-B4C9-D82950137A0E}" type="datetimeFigureOut">
               <a:rPr lang="pt-BR" smtClean="0"/>
-              <a:t>17/05/2025</a:t>
+              <a:t>23/05/2025</a:t>
             </a:fld>
             <a:endParaRPr lang="pt-BR"/>
           </a:p>
@@ -699,7 +699,7 @@
           <a:p>
             <a:fld id="{E04F2195-75BF-44EC-BF37-2B2A1FBED77A}" type="slidenum">
               <a:rPr lang="pt-BR" smtClean="0"/>
-              <a:t>‹#›</a:t>
+              <a:t>‹Nº›</a:t>
             </a:fld>
             <a:endParaRPr lang="pt-BR"/>
           </a:p>
@@ -825,7 +825,7 @@
           <a:p>
             <a:fld id="{A024B3BE-3465-4E30-B4C9-D82950137A0E}" type="datetimeFigureOut">
               <a:rPr lang="pt-BR" smtClean="0"/>
-              <a:t>17/05/2025</a:t>
+              <a:t>23/05/2025</a:t>
             </a:fld>
             <a:endParaRPr lang="pt-BR"/>
           </a:p>
@@ -867,7 +867,7 @@
           <a:p>
             <a:fld id="{E04F2195-75BF-44EC-BF37-2B2A1FBED77A}" type="slidenum">
               <a:rPr lang="pt-BR" smtClean="0"/>
-              <a:t>‹#›</a:t>
+              <a:t>‹Nº›</a:t>
             </a:fld>
             <a:endParaRPr lang="pt-BR"/>
           </a:p>
@@ -1070,7 +1070,7 @@
           <a:p>
             <a:fld id="{A024B3BE-3465-4E30-B4C9-D82950137A0E}" type="datetimeFigureOut">
               <a:rPr lang="pt-BR" smtClean="0"/>
-              <a:t>17/05/2025</a:t>
+              <a:t>23/05/2025</a:t>
             </a:fld>
             <a:endParaRPr lang="pt-BR"/>
           </a:p>
@@ -1112,7 +1112,7 @@
           <a:p>
             <a:fld id="{E04F2195-75BF-44EC-BF37-2B2A1FBED77A}" type="slidenum">
               <a:rPr lang="pt-BR" smtClean="0"/>
-              <a:t>‹#›</a:t>
+              <a:t>‹Nº›</a:t>
             </a:fld>
             <a:endParaRPr lang="pt-BR"/>
           </a:p>
@@ -1355,7 +1355,7 @@
           <a:p>
             <a:fld id="{A024B3BE-3465-4E30-B4C9-D82950137A0E}" type="datetimeFigureOut">
               <a:rPr lang="pt-BR" smtClean="0"/>
-              <a:t>17/05/2025</a:t>
+              <a:t>23/05/2025</a:t>
             </a:fld>
             <a:endParaRPr lang="pt-BR"/>
           </a:p>
@@ -1397,7 +1397,7 @@
           <a:p>
             <a:fld id="{E04F2195-75BF-44EC-BF37-2B2A1FBED77A}" type="slidenum">
               <a:rPr lang="pt-BR" smtClean="0"/>
-              <a:t>‹#›</a:t>
+              <a:t>‹Nº›</a:t>
             </a:fld>
             <a:endParaRPr lang="pt-BR"/>
           </a:p>
@@ -1774,7 +1774,7 @@
           <a:p>
             <a:fld id="{A024B3BE-3465-4E30-B4C9-D82950137A0E}" type="datetimeFigureOut">
               <a:rPr lang="pt-BR" smtClean="0"/>
-              <a:t>17/05/2025</a:t>
+              <a:t>23/05/2025</a:t>
             </a:fld>
             <a:endParaRPr lang="pt-BR"/>
           </a:p>
@@ -1816,7 +1816,7 @@
           <a:p>
             <a:fld id="{E04F2195-75BF-44EC-BF37-2B2A1FBED77A}" type="slidenum">
               <a:rPr lang="pt-BR" smtClean="0"/>
-              <a:t>‹#›</a:t>
+              <a:t>‹Nº›</a:t>
             </a:fld>
             <a:endParaRPr lang="pt-BR"/>
           </a:p>
@@ -1891,7 +1891,7 @@
           <a:p>
             <a:fld id="{A024B3BE-3465-4E30-B4C9-D82950137A0E}" type="datetimeFigureOut">
               <a:rPr lang="pt-BR" smtClean="0"/>
-              <a:t>17/05/2025</a:t>
+              <a:t>23/05/2025</a:t>
             </a:fld>
             <a:endParaRPr lang="pt-BR"/>
           </a:p>
@@ -1933,7 +1933,7 @@
           <a:p>
             <a:fld id="{E04F2195-75BF-44EC-BF37-2B2A1FBED77A}" type="slidenum">
               <a:rPr lang="pt-BR" smtClean="0"/>
-              <a:t>‹#›</a:t>
+              <a:t>‹Nº›</a:t>
             </a:fld>
             <a:endParaRPr lang="pt-BR"/>
           </a:p>
@@ -1986,7 +1986,7 @@
           <a:p>
             <a:fld id="{A024B3BE-3465-4E30-B4C9-D82950137A0E}" type="datetimeFigureOut">
               <a:rPr lang="pt-BR" smtClean="0"/>
-              <a:t>17/05/2025</a:t>
+              <a:t>23/05/2025</a:t>
             </a:fld>
             <a:endParaRPr lang="pt-BR"/>
           </a:p>
@@ -2028,7 +2028,7 @@
           <a:p>
             <a:fld id="{E04F2195-75BF-44EC-BF37-2B2A1FBED77A}" type="slidenum">
               <a:rPr lang="pt-BR" smtClean="0"/>
-              <a:t>‹#›</a:t>
+              <a:t>‹Nº›</a:t>
             </a:fld>
             <a:endParaRPr lang="pt-BR"/>
           </a:p>
@@ -2261,7 +2261,7 @@
           <a:p>
             <a:fld id="{A024B3BE-3465-4E30-B4C9-D82950137A0E}" type="datetimeFigureOut">
               <a:rPr lang="pt-BR" smtClean="0"/>
-              <a:t>17/05/2025</a:t>
+              <a:t>23/05/2025</a:t>
             </a:fld>
             <a:endParaRPr lang="pt-BR"/>
           </a:p>
@@ -2303,7 +2303,7 @@
           <a:p>
             <a:fld id="{E04F2195-75BF-44EC-BF37-2B2A1FBED77A}" type="slidenum">
               <a:rPr lang="pt-BR" smtClean="0"/>
-              <a:t>‹#›</a:t>
+              <a:t>‹Nº›</a:t>
             </a:fld>
             <a:endParaRPr lang="pt-BR"/>
           </a:p>
@@ -2513,7 +2513,7 @@
           <a:p>
             <a:fld id="{A024B3BE-3465-4E30-B4C9-D82950137A0E}" type="datetimeFigureOut">
               <a:rPr lang="pt-BR" smtClean="0"/>
-              <a:t>17/05/2025</a:t>
+              <a:t>23/05/2025</a:t>
             </a:fld>
             <a:endParaRPr lang="pt-BR"/>
           </a:p>
@@ -2555,7 +2555,7 @@
           <a:p>
             <a:fld id="{E04F2195-75BF-44EC-BF37-2B2A1FBED77A}" type="slidenum">
               <a:rPr lang="pt-BR" smtClean="0"/>
-              <a:t>‹#›</a:t>
+              <a:t>‹Nº›</a:t>
             </a:fld>
             <a:endParaRPr lang="pt-BR"/>
           </a:p>
@@ -2724,7 +2724,7 @@
           <a:p>
             <a:fld id="{A024B3BE-3465-4E30-B4C9-D82950137A0E}" type="datetimeFigureOut">
               <a:rPr lang="pt-BR" smtClean="0"/>
-              <a:t>17/05/2025</a:t>
+              <a:t>23/05/2025</a:t>
             </a:fld>
             <a:endParaRPr lang="pt-BR"/>
           </a:p>
@@ -2802,7 +2802,7 @@
           <a:p>
             <a:fld id="{E04F2195-75BF-44EC-BF37-2B2A1FBED77A}" type="slidenum">
               <a:rPr lang="pt-BR" smtClean="0"/>
-              <a:t>‹#›</a:t>
+              <a:t>‹Nº›</a:t>
             </a:fld>
             <a:endParaRPr lang="pt-BR"/>
           </a:p>
@@ -3771,33 +3771,33 @@
       </p:grpSpPr>
       <p:pic>
         <p:nvPicPr>
-          <p:cNvPr id="1028" name="Picture 4">
+          <p:cNvPr id="3" name="Imagen 2">
             <a:extLst>
               <a:ext uri="{FF2B5EF4-FFF2-40B4-BE49-F238E27FC236}">
-                <a16:creationId xmlns:a16="http://schemas.microsoft.com/office/drawing/2014/main" id="{8524B68A-921C-4679-87F1-50536F949E9B}"/>
+                <a16:creationId xmlns:a16="http://schemas.microsoft.com/office/drawing/2014/main" id="{83FB4537-661F-2405-93E3-4102C960580D}"/>
               </a:ext>
             </a:extLst>
           </p:cNvPr>
           <p:cNvPicPr>
-            <a:picLocks noChangeAspect="1" noChangeArrowheads="1"/>
+            <a:picLocks noChangeAspect="1"/>
           </p:cNvPicPr>
           <p:nvPr/>
         </p:nvPicPr>
-        <p:blipFill>
-          <a:blip r:embed="rId2" cstate="print">
+        <p:blipFill rotWithShape="1">
+          <a:blip r:embed="rId2">
             <a:extLst>
               <a:ext uri="{28A0092B-C50C-407E-A947-70E740481C1C}">
                 <a14:useLocalDpi xmlns:a14="http://schemas.microsoft.com/office/drawing/2010/main" val="0"/>
               </a:ext>
             </a:extLst>
           </a:blip>
-          <a:srcRect/>
+          <a:srcRect l="17966" r="12935" b="45401"/>
           <a:stretch/>
         </p:blipFill>
-        <p:spPr bwMode="auto">
+        <p:spPr>
           <a:xfrm>
-            <a:off x="179512" y="188640"/>
-            <a:ext cx="4392488" cy="4392488"/>
+            <a:off x="107504" y="116632"/>
+            <a:ext cx="3600400" cy="3744416"/>
           </a:xfrm>
           <a:prstGeom prst="ellipse">
             <a:avLst/>
@@ -3808,15 +3808,6 @@
           <a:effectLst>
             <a:softEdge rad="112500"/>
           </a:effectLst>
-          <a:extLst>
-            <a:ext uri="{909E8E84-426E-40DD-AFC4-6F175D3DCCD1}">
-              <a14:hiddenFill xmlns:a14="http://schemas.microsoft.com/office/drawing/2010/main">
-                <a:solidFill>
-                  <a:srgbClr val="FFFFFF"/>
-                </a:solidFill>
-              </a14:hiddenFill>
-            </a:ext>
-          </a:extLst>
         </p:spPr>
       </p:pic>
     </p:spTree>
